--- a/单元测试之道.pptx
+++ b/单元测试之道.pptx
@@ -20,7 +20,12 @@
     <p:sldId id="306" r:id="rId14"/>
     <p:sldId id="307" r:id="rId15"/>
     <p:sldId id="308" r:id="rId16"/>
-    <p:sldId id="269" r:id="rId17"/>
+    <p:sldId id="309" r:id="rId17"/>
+    <p:sldId id="310" r:id="rId18"/>
+    <p:sldId id="311" r:id="rId19"/>
+    <p:sldId id="312" r:id="rId20"/>
+    <p:sldId id="313" r:id="rId21"/>
+    <p:sldId id="269" r:id="rId22"/>
   </p:sldIdLst>
   <p:sldSz cx="12192000" cy="6858000"/>
   <p:notesSz cx="6858000" cy="9144000"/>
@@ -315,7 +320,7 @@
           <a:p>
             <a:fld id="{A93F5AB3-EA78-4174-9C69-10ADD0A98A78}" type="datetimeFigureOut">
               <a:rPr lang="en-US" smtClean="0"/>
-              <a:t>9/5/2017</a:t>
+              <a:t>9/6/2017</a:t>
             </a:fld>
             <a:endParaRPr lang="en-US"/>
           </a:p>
@@ -653,7 +658,7 @@
           <a:p>
             <a:fld id="{A93F5AB3-EA78-4174-9C69-10ADD0A98A78}" type="datetimeFigureOut">
               <a:rPr lang="en-US" smtClean="0"/>
-              <a:t>9/5/2017</a:t>
+              <a:t>9/6/2017</a:t>
             </a:fld>
             <a:endParaRPr lang="en-US"/>
           </a:p>
@@ -1054,7 +1059,7 @@
           <a:p>
             <a:fld id="{A93F5AB3-EA78-4174-9C69-10ADD0A98A78}" type="datetimeFigureOut">
               <a:rPr lang="en-US" smtClean="0"/>
-              <a:t>9/5/2017</a:t>
+              <a:t>9/6/2017</a:t>
             </a:fld>
             <a:endParaRPr lang="en-US"/>
           </a:p>
@@ -1390,7 +1395,7 @@
           <a:p>
             <a:fld id="{A93F5AB3-EA78-4174-9C69-10ADD0A98A78}" type="datetimeFigureOut">
               <a:rPr lang="en-US" smtClean="0"/>
-              <a:t>9/5/2017</a:t>
+              <a:t>9/6/2017</a:t>
             </a:fld>
             <a:endParaRPr lang="en-US"/>
           </a:p>
@@ -1710,7 +1715,7 @@
           <a:p>
             <a:fld id="{A93F5AB3-EA78-4174-9C69-10ADD0A98A78}" type="datetimeFigureOut">
               <a:rPr lang="en-US" smtClean="0"/>
-              <a:t>9/5/2017</a:t>
+              <a:t>9/6/2017</a:t>
             </a:fld>
             <a:endParaRPr lang="en-US"/>
           </a:p>
@@ -2106,7 +2111,7 @@
           <a:p>
             <a:fld id="{A93F5AB3-EA78-4174-9C69-10ADD0A98A78}" type="datetimeFigureOut">
               <a:rPr lang="en-US" smtClean="0"/>
-              <a:t>9/5/2017</a:t>
+              <a:t>9/6/2017</a:t>
             </a:fld>
             <a:endParaRPr lang="en-US"/>
           </a:p>
@@ -2363,7 +2368,7 @@
           <a:p>
             <a:fld id="{A93F5AB3-EA78-4174-9C69-10ADD0A98A78}" type="datetimeFigureOut">
               <a:rPr lang="en-US" smtClean="0"/>
-              <a:t>9/5/2017</a:t>
+              <a:t>9/6/2017</a:t>
             </a:fld>
             <a:endParaRPr lang="en-US"/>
           </a:p>
@@ -2625,7 +2630,7 @@
           <a:p>
             <a:fld id="{A93F5AB3-EA78-4174-9C69-10ADD0A98A78}" type="datetimeFigureOut">
               <a:rPr lang="en-US" smtClean="0"/>
-              <a:t>9/5/2017</a:t>
+              <a:t>9/6/2017</a:t>
             </a:fld>
             <a:endParaRPr lang="en-US"/>
           </a:p>
@@ -2887,7 +2892,7 @@
           <a:p>
             <a:fld id="{A93F5AB3-EA78-4174-9C69-10ADD0A98A78}" type="datetimeFigureOut">
               <a:rPr lang="en-US" smtClean="0"/>
-              <a:t>9/5/2017</a:t>
+              <a:t>9/6/2017</a:t>
             </a:fld>
             <a:endParaRPr lang="en-US"/>
           </a:p>
@@ -3216,7 +3221,7 @@
           <a:p>
             <a:fld id="{A93F5AB3-EA78-4174-9C69-10ADD0A98A78}" type="datetimeFigureOut">
               <a:rPr lang="en-US" smtClean="0"/>
-              <a:t>9/5/2017</a:t>
+              <a:t>9/6/2017</a:t>
             </a:fld>
             <a:endParaRPr lang="en-US"/>
           </a:p>
@@ -3539,7 +3544,7 @@
           <a:p>
             <a:fld id="{A93F5AB3-EA78-4174-9C69-10ADD0A98A78}" type="datetimeFigureOut">
               <a:rPr lang="en-US" smtClean="0"/>
-              <a:t>9/5/2017</a:t>
+              <a:t>9/6/2017</a:t>
             </a:fld>
             <a:endParaRPr lang="en-US"/>
           </a:p>
@@ -3996,7 +4001,7 @@
           <a:p>
             <a:fld id="{A93F5AB3-EA78-4174-9C69-10ADD0A98A78}" type="datetimeFigureOut">
               <a:rPr lang="en-US" smtClean="0"/>
-              <a:t>9/5/2017</a:t>
+              <a:t>9/6/2017</a:t>
             </a:fld>
             <a:endParaRPr lang="en-US"/>
           </a:p>
@@ -4201,7 +4206,7 @@
           <a:p>
             <a:fld id="{A93F5AB3-EA78-4174-9C69-10ADD0A98A78}" type="datetimeFigureOut">
               <a:rPr lang="en-US" smtClean="0"/>
-              <a:t>9/5/2017</a:t>
+              <a:t>9/6/2017</a:t>
             </a:fld>
             <a:endParaRPr lang="en-US"/>
           </a:p>
@@ -4378,7 +4383,7 @@
           <a:p>
             <a:fld id="{A93F5AB3-EA78-4174-9C69-10ADD0A98A78}" type="datetimeFigureOut">
               <a:rPr lang="en-US" smtClean="0"/>
-              <a:t>9/5/2017</a:t>
+              <a:t>9/6/2017</a:t>
             </a:fld>
             <a:endParaRPr lang="en-US"/>
           </a:p>
@@ -4711,7 +4716,7 @@
           <a:p>
             <a:fld id="{A93F5AB3-EA78-4174-9C69-10ADD0A98A78}" type="datetimeFigureOut">
               <a:rPr lang="en-US" smtClean="0"/>
-              <a:t>9/5/2017</a:t>
+              <a:t>9/6/2017</a:t>
             </a:fld>
             <a:endParaRPr lang="en-US"/>
           </a:p>
@@ -5056,7 +5061,7 @@
           <a:p>
             <a:fld id="{A93F5AB3-EA78-4174-9C69-10ADD0A98A78}" type="datetimeFigureOut">
               <a:rPr lang="en-US" smtClean="0"/>
-              <a:t>9/5/2017</a:t>
+              <a:t>9/6/2017</a:t>
             </a:fld>
             <a:endParaRPr lang="en-US"/>
           </a:p>
@@ -7173,7 +7178,7 @@
           <a:p>
             <a:fld id="{A93F5AB3-EA78-4174-9C69-10ADD0A98A78}" type="datetimeFigureOut">
               <a:rPr lang="en-US" smtClean="0"/>
-              <a:t>9/5/2017</a:t>
+              <a:t>9/6/2017</a:t>
             </a:fld>
             <a:endParaRPr lang="en-US"/>
           </a:p>
@@ -8659,43 +8664,19 @@
           <a:lstStyle/>
           <a:p>
             <a:r>
-              <a:rPr lang="en-US" altLang="zh-CN" sz="4000" dirty="0" smtClean="0">
-                <a:latin typeface="Times New Roman" panose="02020603050405020304" pitchFamily="18" charset="0"/>
-                <a:cs typeface="Times New Roman" panose="02020603050405020304" pitchFamily="18" charset="0"/>
-              </a:rPr>
-              <a:t> </a:t>
-            </a:r>
-            <a:r>
-              <a:rPr lang="zh-CN" altLang="en-US" sz="4000" dirty="0" smtClean="0">
-                <a:latin typeface="Times New Roman" panose="02020603050405020304" pitchFamily="18" charset="0"/>
-                <a:cs typeface="Times New Roman" panose="02020603050405020304" pitchFamily="18" charset="0"/>
-              </a:rPr>
-              <a:t>一个检查起来会很有益处的部分是性能特性。我们想要的是一个性能特性的快速回归测试。</a:t>
-            </a:r>
-            <a:endParaRPr lang="en-US" altLang="zh-CN" sz="4000" dirty="0" smtClean="0">
-              <a:latin typeface="Times New Roman" panose="02020603050405020304" pitchFamily="18" charset="0"/>
-              <a:cs typeface="Times New Roman" panose="02020603050405020304" pitchFamily="18" charset="0"/>
-            </a:endParaRPr>
-          </a:p>
-          <a:p>
-            <a:r>
               <a:rPr lang="zh-CN" altLang="en-US" sz="4000" dirty="0">
                 <a:latin typeface="Times New Roman" panose="02020603050405020304" pitchFamily="18" charset="0"/>
                 <a:cs typeface="Times New Roman" panose="02020603050405020304" pitchFamily="18" charset="0"/>
               </a:rPr>
-              <a:t>很</a:t>
-            </a:r>
-            <a:r>
-              <a:rPr lang="zh-CN" altLang="en-US" sz="4000" dirty="0" smtClean="0">
-                <a:latin typeface="Times New Roman" panose="02020603050405020304" pitchFamily="18" charset="0"/>
-                <a:cs typeface="Times New Roman" panose="02020603050405020304" pitchFamily="18" charset="0"/>
-              </a:rPr>
-              <a:t>多时候，也许我们发布的第一个版本运行正常，但是第二个版本不知道为何慢的很慢。</a:t>
-            </a:r>
-            <a:endParaRPr lang="en-US" altLang="zh-CN" sz="4000" dirty="0" smtClean="0">
-              <a:latin typeface="Times New Roman" panose="02020603050405020304" pitchFamily="18" charset="0"/>
-              <a:cs typeface="Times New Roman" panose="02020603050405020304" pitchFamily="18" charset="0"/>
-            </a:endParaRPr>
+              <a:t>自动化</a:t>
+            </a:r>
+            <a:r>
+              <a:rPr lang="en-US" altLang="zh-CN" sz="4000" dirty="0">
+                <a:latin typeface="Times New Roman" panose="02020603050405020304" pitchFamily="18" charset="0"/>
+                <a:cs typeface="Times New Roman" panose="02020603050405020304" pitchFamily="18" charset="0"/>
+              </a:rPr>
+              <a:t>(Automatic)</a:t>
+            </a:r>
           </a:p>
           <a:p>
             <a:r>
@@ -8703,30 +8684,64 @@
                 <a:latin typeface="Times New Roman" panose="02020603050405020304" pitchFamily="18" charset="0"/>
                 <a:cs typeface="Times New Roman" panose="02020603050405020304" pitchFamily="18" charset="0"/>
               </a:rPr>
-              <a:t>可</a:t>
-            </a:r>
-            <a:r>
-              <a:rPr lang="zh-CN" altLang="en-US" sz="4000" dirty="0" smtClean="0">
-                <a:latin typeface="Times New Roman" panose="02020603050405020304" pitchFamily="18" charset="0"/>
-                <a:cs typeface="Times New Roman" panose="02020603050405020304" pitchFamily="18" charset="0"/>
-              </a:rPr>
-              <a:t>以考虑实现一些粗糙测试来确保性能曲线能够保持稳定。（</a:t>
-            </a:r>
-            <a:r>
-              <a:rPr lang="en-US" altLang="zh-CN" sz="4000" dirty="0" smtClean="0">
-                <a:latin typeface="Times New Roman" panose="02020603050405020304" pitchFamily="18" charset="0"/>
-                <a:cs typeface="Times New Roman" panose="02020603050405020304" pitchFamily="18" charset="0"/>
-              </a:rPr>
-              <a:t>Demo</a:t>
-            </a:r>
-            <a:r>
-              <a:rPr lang="zh-CN" altLang="en-US" sz="4000" dirty="0" smtClean="0">
-                <a:latin typeface="Times New Roman" panose="02020603050405020304" pitchFamily="18" charset="0"/>
-                <a:cs typeface="Times New Roman" panose="02020603050405020304" pitchFamily="18" charset="0"/>
-              </a:rPr>
-              <a:t>）</a:t>
-            </a:r>
-            <a:endParaRPr lang="en-US" altLang="zh-CN" sz="4000" dirty="0" smtClean="0">
+              <a:t> 彻底的</a:t>
+            </a:r>
+            <a:r>
+              <a:rPr lang="en-US" altLang="zh-CN" sz="4000" dirty="0">
+                <a:latin typeface="Times New Roman" panose="02020603050405020304" pitchFamily="18" charset="0"/>
+                <a:cs typeface="Times New Roman" panose="02020603050405020304" pitchFamily="18" charset="0"/>
+              </a:rPr>
+              <a:t>(Thorough)</a:t>
+            </a:r>
+          </a:p>
+          <a:p>
+            <a:r>
+              <a:rPr lang="zh-CN" altLang="en-US" sz="4000" dirty="0">
+                <a:latin typeface="Times New Roman" panose="02020603050405020304" pitchFamily="18" charset="0"/>
+                <a:cs typeface="Times New Roman" panose="02020603050405020304" pitchFamily="18" charset="0"/>
+              </a:rPr>
+              <a:t> 可重复</a:t>
+            </a:r>
+            <a:r>
+              <a:rPr lang="en-US" altLang="zh-CN" sz="4000" dirty="0">
+                <a:latin typeface="Times New Roman" panose="02020603050405020304" pitchFamily="18" charset="0"/>
+                <a:cs typeface="Times New Roman" panose="02020603050405020304" pitchFamily="18" charset="0"/>
+              </a:rPr>
+              <a:t>(Repeatable)</a:t>
+            </a:r>
+          </a:p>
+          <a:p>
+            <a:r>
+              <a:rPr lang="zh-CN" altLang="en-US" sz="4000" dirty="0">
+                <a:latin typeface="Times New Roman" panose="02020603050405020304" pitchFamily="18" charset="0"/>
+                <a:cs typeface="Times New Roman" panose="02020603050405020304" pitchFamily="18" charset="0"/>
+              </a:rPr>
+              <a:t> 独立的</a:t>
+            </a:r>
+            <a:r>
+              <a:rPr lang="en-US" altLang="zh-CN" sz="4000" dirty="0">
+                <a:latin typeface="Times New Roman" panose="02020603050405020304" pitchFamily="18" charset="0"/>
+                <a:cs typeface="Times New Roman" panose="02020603050405020304" pitchFamily="18" charset="0"/>
+              </a:rPr>
+              <a:t>(Independent)</a:t>
+            </a:r>
+          </a:p>
+          <a:p>
+            <a:r>
+              <a:rPr lang="zh-CN" altLang="en-US" sz="4000" dirty="0">
+                <a:latin typeface="Times New Roman" panose="02020603050405020304" pitchFamily="18" charset="0"/>
+                <a:cs typeface="Times New Roman" panose="02020603050405020304" pitchFamily="18" charset="0"/>
+              </a:rPr>
+              <a:t> 专业的</a:t>
+            </a:r>
+            <a:r>
+              <a:rPr lang="en-US" altLang="zh-CN" sz="4000" dirty="0">
+                <a:latin typeface="Times New Roman" panose="02020603050405020304" pitchFamily="18" charset="0"/>
+                <a:cs typeface="Times New Roman" panose="02020603050405020304" pitchFamily="18" charset="0"/>
+              </a:rPr>
+              <a:t>(Professional)</a:t>
+            </a:r>
+            <a:endParaRPr lang="en-US" sz="4000" dirty="0">
               <a:latin typeface="Times New Roman" panose="02020603050405020304" pitchFamily="18" charset="0"/>
               <a:cs typeface="Times New Roman" panose="02020603050405020304" pitchFamily="18" charset="0"/>
             </a:endParaRPr>
@@ -8781,7 +8796,7 @@
       </p:grpSpPr>
       <p:sp>
         <p:nvSpPr>
-          <p:cNvPr id="6" name="Title 5"/>
+          <p:cNvPr id="2" name="Title 1"/>
           <p:cNvSpPr>
             <a:spLocks noGrp="1"/>
           </p:cNvSpPr>
@@ -8791,8 +8806,8 @@
         </p:nvSpPr>
         <p:spPr>
           <a:xfrm>
-            <a:off x="4121263" y="2933469"/>
-            <a:ext cx="4582789" cy="965671"/>
+            <a:off x="1892808" y="475488"/>
+            <a:ext cx="9692641" cy="1024128"/>
           </a:xfrm>
         </p:spPr>
         <p:txBody>
@@ -8802,21 +8817,651 @@
           <a:lstStyle/>
           <a:p>
             <a:r>
-              <a:rPr lang="en-US" altLang="zh-CN" sz="6600" dirty="0" smtClean="0"/>
-              <a:t>Thank you</a:t>
-            </a:r>
-            <a:r>
-              <a:rPr lang="zh-CN" altLang="en-US" sz="6600" dirty="0" smtClean="0"/>
-              <a:t>！</a:t>
-            </a:r>
-            <a:endParaRPr lang="en-US" sz="6600" dirty="0"/>
+              <a:rPr lang="zh-CN" altLang="en-US" sz="5400" dirty="0">
+                <a:latin typeface="Times New Roman" panose="02020603050405020304" pitchFamily="18" charset="0"/>
+                <a:cs typeface="Times New Roman" panose="02020603050405020304" pitchFamily="18" charset="0"/>
+              </a:rPr>
+              <a:t>好的测试所具有的品</a:t>
+            </a:r>
+            <a:r>
+              <a:rPr lang="zh-CN" altLang="en-US" sz="5400" dirty="0" smtClean="0">
+                <a:latin typeface="Times New Roman" panose="02020603050405020304" pitchFamily="18" charset="0"/>
+                <a:cs typeface="Times New Roman" panose="02020603050405020304" pitchFamily="18" charset="0"/>
+              </a:rPr>
+              <a:t>质 </a:t>
+            </a:r>
+            <a:r>
+              <a:rPr lang="en-US" altLang="zh-CN" sz="5400" dirty="0" smtClean="0">
+                <a:latin typeface="Times New Roman" panose="02020603050405020304" pitchFamily="18" charset="0"/>
+                <a:cs typeface="Times New Roman" panose="02020603050405020304" pitchFamily="18" charset="0"/>
+              </a:rPr>
+              <a:t>Automatic</a:t>
+            </a:r>
+            <a:endParaRPr lang="en-US" sz="5400" b="1" dirty="0">
+              <a:latin typeface="Times New Roman" panose="02020603050405020304" pitchFamily="18" charset="0"/>
+              <a:cs typeface="Times New Roman" panose="02020603050405020304" pitchFamily="18" charset="0"/>
+            </a:endParaRPr>
+          </a:p>
+        </p:txBody>
+      </p:sp>
+      <p:sp>
+        <p:nvSpPr>
+          <p:cNvPr id="3" name="Content Placeholder 2"/>
+          <p:cNvSpPr>
+            <a:spLocks noGrp="1"/>
+          </p:cNvSpPr>
+          <p:nvPr>
+            <p:ph idx="1"/>
+          </p:nvPr>
+        </p:nvSpPr>
+        <p:spPr>
+          <a:xfrm>
+            <a:off x="1293963" y="1699404"/>
+            <a:ext cx="10394830" cy="4865297"/>
+          </a:xfrm>
+        </p:spPr>
+        <p:txBody>
+          <a:bodyPr>
+            <a:normAutofit/>
+          </a:bodyPr>
+          <a:lstStyle/>
+          <a:p>
+            <a:r>
+              <a:rPr lang="zh-CN" altLang="en-US" sz="4000" dirty="0" smtClean="0">
+                <a:latin typeface="Times New Roman" panose="02020603050405020304" pitchFamily="18" charset="0"/>
+                <a:cs typeface="Times New Roman" panose="02020603050405020304" pitchFamily="18" charset="0"/>
+              </a:rPr>
+              <a:t>单元测试需要能够自动地运行。</a:t>
+            </a:r>
+            <a:endParaRPr lang="en-US" altLang="zh-CN" sz="4000" dirty="0" smtClean="0">
+              <a:latin typeface="Times New Roman" panose="02020603050405020304" pitchFamily="18" charset="0"/>
+              <a:cs typeface="Times New Roman" panose="02020603050405020304" pitchFamily="18" charset="0"/>
+            </a:endParaRPr>
+          </a:p>
+          <a:p>
+            <a:r>
+              <a:rPr lang="zh-CN" altLang="en-US" sz="4000" dirty="0">
+                <a:latin typeface="Times New Roman" panose="02020603050405020304" pitchFamily="18" charset="0"/>
+                <a:cs typeface="Times New Roman" panose="02020603050405020304" pitchFamily="18" charset="0"/>
+              </a:rPr>
+              <a:t>调</a:t>
+            </a:r>
+            <a:r>
+              <a:rPr lang="zh-CN" altLang="en-US" sz="4000" dirty="0" smtClean="0">
+                <a:latin typeface="Times New Roman" panose="02020603050405020304" pitchFamily="18" charset="0"/>
+                <a:cs typeface="Times New Roman" panose="02020603050405020304" pitchFamily="18" charset="0"/>
+              </a:rPr>
+              <a:t>用测试自动化和检查结果自动化。调用一个或多个单元测试必须是非常容易的。单元测试必须自己决定它是通过了还是失败了。</a:t>
+            </a:r>
+            <a:endParaRPr lang="en-US" altLang="zh-CN" sz="4000" dirty="0" smtClean="0">
+              <a:latin typeface="Times New Roman" panose="02020603050405020304" pitchFamily="18" charset="0"/>
+              <a:cs typeface="Times New Roman" panose="02020603050405020304" pitchFamily="18" charset="0"/>
+            </a:endParaRPr>
+          </a:p>
+          <a:p>
+            <a:r>
+              <a:rPr lang="zh-CN" altLang="en-US" sz="4000" dirty="0">
+                <a:latin typeface="Times New Roman" panose="02020603050405020304" pitchFamily="18" charset="0"/>
+                <a:cs typeface="Times New Roman" panose="02020603050405020304" pitchFamily="18" charset="0"/>
+              </a:rPr>
+              <a:t>对</a:t>
+            </a:r>
+            <a:r>
+              <a:rPr lang="zh-CN" altLang="en-US" sz="4000" dirty="0" smtClean="0">
+                <a:latin typeface="Times New Roman" panose="02020603050405020304" pitchFamily="18" charset="0"/>
+                <a:cs typeface="Times New Roman" panose="02020603050405020304" pitchFamily="18" charset="0"/>
+              </a:rPr>
+              <a:t>于测试需要的任何条件（数据库、网络连接等），都应该让它们成为测试自身的一个自动化组成部分。</a:t>
+            </a:r>
+            <a:endParaRPr lang="en-US" sz="4000" dirty="0">
+              <a:latin typeface="Times New Roman" panose="02020603050405020304" pitchFamily="18" charset="0"/>
+              <a:cs typeface="Times New Roman" panose="02020603050405020304" pitchFamily="18" charset="0"/>
+            </a:endParaRPr>
           </a:p>
         </p:txBody>
       </p:sp>
     </p:spTree>
     <p:extLst>
       <p:ext uri="{BB962C8B-B14F-4D97-AF65-F5344CB8AC3E}">
-        <p14:creationId xmlns:p14="http://schemas.microsoft.com/office/powerpoint/2010/main" val="293026940"/>
+        <p14:creationId xmlns:p14="http://schemas.microsoft.com/office/powerpoint/2010/main" val="4126019639"/>
+      </p:ext>
+    </p:extLst>
+  </p:cSld>
+  <p:clrMapOvr>
+    <a:masterClrMapping/>
+  </p:clrMapOvr>
+  <p:timing>
+    <p:tnLst>
+      <p:par>
+        <p:cTn id="1" dur="indefinite" restart="never" nodeType="tmRoot"/>
+      </p:par>
+    </p:tnLst>
+  </p:timing>
+</p:sld>
+</file>
+
+<file path=ppt/slides/slide17.xml><?xml version="1.0" encoding="utf-8"?>
+<p:sld xmlns:a="http://schemas.openxmlformats.org/drawingml/2006/main" xmlns:r="http://schemas.openxmlformats.org/officeDocument/2006/relationships" xmlns:p="http://schemas.openxmlformats.org/presentationml/2006/main">
+  <p:cSld>
+    <p:spTree>
+      <p:nvGrpSpPr>
+        <p:cNvPr id="1" name=""/>
+        <p:cNvGrpSpPr/>
+        <p:nvPr/>
+      </p:nvGrpSpPr>
+      <p:grpSpPr>
+        <a:xfrm>
+          <a:off x="0" y="0"/>
+          <a:ext cx="0" cy="0"/>
+          <a:chOff x="0" y="0"/>
+          <a:chExt cx="0" cy="0"/>
+        </a:xfrm>
+      </p:grpSpPr>
+      <p:sp>
+        <p:nvSpPr>
+          <p:cNvPr id="2" name="Title 1"/>
+          <p:cNvSpPr>
+            <a:spLocks noGrp="1"/>
+          </p:cNvSpPr>
+          <p:nvPr>
+            <p:ph type="title"/>
+          </p:nvPr>
+        </p:nvSpPr>
+        <p:spPr>
+          <a:xfrm>
+            <a:off x="1892808" y="475488"/>
+            <a:ext cx="9692641" cy="1024128"/>
+          </a:xfrm>
+        </p:spPr>
+        <p:txBody>
+          <a:bodyPr>
+            <a:normAutofit fontScale="90000"/>
+          </a:bodyPr>
+          <a:lstStyle/>
+          <a:p>
+            <a:r>
+              <a:rPr lang="zh-CN" altLang="en-US" sz="5400" dirty="0">
+                <a:latin typeface="Times New Roman" panose="02020603050405020304" pitchFamily="18" charset="0"/>
+                <a:cs typeface="Times New Roman" panose="02020603050405020304" pitchFamily="18" charset="0"/>
+              </a:rPr>
+              <a:t>好的测试所具有的品</a:t>
+            </a:r>
+            <a:r>
+              <a:rPr lang="zh-CN" altLang="en-US" sz="5400" dirty="0" smtClean="0">
+                <a:latin typeface="Times New Roman" panose="02020603050405020304" pitchFamily="18" charset="0"/>
+                <a:cs typeface="Times New Roman" panose="02020603050405020304" pitchFamily="18" charset="0"/>
+              </a:rPr>
+              <a:t>质 </a:t>
+            </a:r>
+            <a:r>
+              <a:rPr lang="en-US" altLang="zh-CN" sz="5400" dirty="0">
+                <a:latin typeface="Times New Roman" panose="02020603050405020304" pitchFamily="18" charset="0"/>
+                <a:cs typeface="Times New Roman" panose="02020603050405020304" pitchFamily="18" charset="0"/>
+              </a:rPr>
+              <a:t>Thorough</a:t>
+            </a:r>
+            <a:endParaRPr lang="en-US" sz="5400" b="1" dirty="0">
+              <a:latin typeface="Times New Roman" panose="02020603050405020304" pitchFamily="18" charset="0"/>
+              <a:cs typeface="Times New Roman" panose="02020603050405020304" pitchFamily="18" charset="0"/>
+            </a:endParaRPr>
+          </a:p>
+        </p:txBody>
+      </p:sp>
+      <p:sp>
+        <p:nvSpPr>
+          <p:cNvPr id="3" name="Content Placeholder 2"/>
+          <p:cNvSpPr>
+            <a:spLocks noGrp="1"/>
+          </p:cNvSpPr>
+          <p:nvPr>
+            <p:ph idx="1"/>
+          </p:nvPr>
+        </p:nvSpPr>
+        <p:spPr>
+          <a:xfrm>
+            <a:off x="1293963" y="1699404"/>
+            <a:ext cx="10394830" cy="4865297"/>
+          </a:xfrm>
+        </p:spPr>
+        <p:txBody>
+          <a:bodyPr>
+            <a:normAutofit/>
+          </a:bodyPr>
+          <a:lstStyle/>
+          <a:p>
+            <a:r>
+              <a:rPr lang="zh-CN" altLang="en-US" sz="4000" dirty="0">
+                <a:latin typeface="Times New Roman" panose="02020603050405020304" pitchFamily="18" charset="0"/>
+                <a:cs typeface="Times New Roman" panose="02020603050405020304" pitchFamily="18" charset="0"/>
+              </a:rPr>
+              <a:t>好</a:t>
+            </a:r>
+            <a:r>
+              <a:rPr lang="zh-CN" altLang="en-US" sz="4000" dirty="0" smtClean="0">
+                <a:latin typeface="Times New Roman" panose="02020603050405020304" pitchFamily="18" charset="0"/>
+                <a:cs typeface="Times New Roman" panose="02020603050405020304" pitchFamily="18" charset="0"/>
+              </a:rPr>
+              <a:t>的单元测试是彻底的，它们测试了所有可能会出问题的情况。</a:t>
+            </a:r>
+            <a:endParaRPr lang="en-US" altLang="zh-CN" sz="4000" dirty="0" smtClean="0">
+              <a:latin typeface="Times New Roman" panose="02020603050405020304" pitchFamily="18" charset="0"/>
+              <a:cs typeface="Times New Roman" panose="02020603050405020304" pitchFamily="18" charset="0"/>
+            </a:endParaRPr>
+          </a:p>
+          <a:p>
+            <a:r>
+              <a:rPr lang="zh-CN" altLang="en-US" sz="4000" dirty="0">
+                <a:latin typeface="Times New Roman" panose="02020603050405020304" pitchFamily="18" charset="0"/>
+                <a:cs typeface="Times New Roman" panose="02020603050405020304" pitchFamily="18" charset="0"/>
+              </a:rPr>
+              <a:t>一</a:t>
+            </a:r>
+            <a:r>
+              <a:rPr lang="zh-CN" altLang="en-US" sz="4000" dirty="0" smtClean="0">
+                <a:latin typeface="Times New Roman" panose="02020603050405020304" pitchFamily="18" charset="0"/>
+                <a:cs typeface="Times New Roman" panose="02020603050405020304" pitchFamily="18" charset="0"/>
+              </a:rPr>
+              <a:t>个极端是，对于每行代码、代码可能到达的每个分支、每个可能抛出的异常等，都可以作为测试的对象。</a:t>
+            </a:r>
+            <a:endParaRPr lang="en-US" altLang="zh-CN" sz="4000" dirty="0" smtClean="0">
+              <a:latin typeface="Times New Roman" panose="02020603050405020304" pitchFamily="18" charset="0"/>
+              <a:cs typeface="Times New Roman" panose="02020603050405020304" pitchFamily="18" charset="0"/>
+            </a:endParaRPr>
+          </a:p>
+          <a:p>
+            <a:r>
+              <a:rPr lang="zh-CN" altLang="en-US" sz="4000" dirty="0">
+                <a:latin typeface="Times New Roman" panose="02020603050405020304" pitchFamily="18" charset="0"/>
+                <a:cs typeface="Times New Roman" panose="02020603050405020304" pitchFamily="18" charset="0"/>
+              </a:rPr>
+              <a:t>另一</a:t>
+            </a:r>
+            <a:r>
+              <a:rPr lang="zh-CN" altLang="en-US" sz="4000" dirty="0" smtClean="0">
+                <a:latin typeface="Times New Roman" panose="02020603050405020304" pitchFamily="18" charset="0"/>
+                <a:cs typeface="Times New Roman" panose="02020603050405020304" pitchFamily="18" charset="0"/>
+              </a:rPr>
+              <a:t>个极端是，仅仅测试最可能的情况</a:t>
+            </a:r>
+            <a:r>
+              <a:rPr lang="en-US" altLang="zh-CN" sz="4000" dirty="0" smtClean="0">
+                <a:latin typeface="Times New Roman" panose="02020603050405020304" pitchFamily="18" charset="0"/>
+                <a:cs typeface="Times New Roman" panose="02020603050405020304" pitchFamily="18" charset="0"/>
+              </a:rPr>
+              <a:t>-</a:t>
+            </a:r>
+            <a:r>
+              <a:rPr lang="zh-CN" altLang="en-US" sz="4000" dirty="0" smtClean="0">
+                <a:latin typeface="Times New Roman" panose="02020603050405020304" pitchFamily="18" charset="0"/>
+                <a:cs typeface="Times New Roman" panose="02020603050405020304" pitchFamily="18" charset="0"/>
+              </a:rPr>
+              <a:t>边界条件、残缺和畸形的数据等。</a:t>
+            </a:r>
+            <a:endParaRPr lang="en-US" sz="4000" dirty="0">
+              <a:latin typeface="Times New Roman" panose="02020603050405020304" pitchFamily="18" charset="0"/>
+              <a:cs typeface="Times New Roman" panose="02020603050405020304" pitchFamily="18" charset="0"/>
+            </a:endParaRPr>
+          </a:p>
+        </p:txBody>
+      </p:sp>
+    </p:spTree>
+    <p:extLst>
+      <p:ext uri="{BB962C8B-B14F-4D97-AF65-F5344CB8AC3E}">
+        <p14:creationId xmlns:p14="http://schemas.microsoft.com/office/powerpoint/2010/main" val="1799650644"/>
+      </p:ext>
+    </p:extLst>
+  </p:cSld>
+  <p:clrMapOvr>
+    <a:masterClrMapping/>
+  </p:clrMapOvr>
+  <p:timing>
+    <p:tnLst>
+      <p:par>
+        <p:cTn id="1" dur="indefinite" restart="never" nodeType="tmRoot"/>
+      </p:par>
+    </p:tnLst>
+  </p:timing>
+</p:sld>
+</file>
+
+<file path=ppt/slides/slide18.xml><?xml version="1.0" encoding="utf-8"?>
+<p:sld xmlns:a="http://schemas.openxmlformats.org/drawingml/2006/main" xmlns:r="http://schemas.openxmlformats.org/officeDocument/2006/relationships" xmlns:p="http://schemas.openxmlformats.org/presentationml/2006/main">
+  <p:cSld>
+    <p:spTree>
+      <p:nvGrpSpPr>
+        <p:cNvPr id="1" name=""/>
+        <p:cNvGrpSpPr/>
+        <p:nvPr/>
+      </p:nvGrpSpPr>
+      <p:grpSpPr>
+        <a:xfrm>
+          <a:off x="0" y="0"/>
+          <a:ext cx="0" cy="0"/>
+          <a:chOff x="0" y="0"/>
+          <a:chExt cx="0" cy="0"/>
+        </a:xfrm>
+      </p:grpSpPr>
+      <p:sp>
+        <p:nvSpPr>
+          <p:cNvPr id="2" name="Title 1"/>
+          <p:cNvSpPr>
+            <a:spLocks noGrp="1"/>
+          </p:cNvSpPr>
+          <p:nvPr>
+            <p:ph type="title"/>
+          </p:nvPr>
+        </p:nvSpPr>
+        <p:spPr>
+          <a:xfrm>
+            <a:off x="1892808" y="475488"/>
+            <a:ext cx="9692641" cy="1024128"/>
+          </a:xfrm>
+        </p:spPr>
+        <p:txBody>
+          <a:bodyPr>
+            <a:normAutofit fontScale="90000"/>
+          </a:bodyPr>
+          <a:lstStyle/>
+          <a:p>
+            <a:r>
+              <a:rPr lang="zh-CN" altLang="en-US" sz="5400" dirty="0">
+                <a:latin typeface="Times New Roman" panose="02020603050405020304" pitchFamily="18" charset="0"/>
+                <a:cs typeface="Times New Roman" panose="02020603050405020304" pitchFamily="18" charset="0"/>
+              </a:rPr>
+              <a:t>好的测试所具有的品</a:t>
+            </a:r>
+            <a:r>
+              <a:rPr lang="zh-CN" altLang="en-US" sz="5400" dirty="0" smtClean="0">
+                <a:latin typeface="Times New Roman" panose="02020603050405020304" pitchFamily="18" charset="0"/>
+                <a:cs typeface="Times New Roman" panose="02020603050405020304" pitchFamily="18" charset="0"/>
+              </a:rPr>
+              <a:t>质 </a:t>
+            </a:r>
+            <a:r>
+              <a:rPr lang="en-US" altLang="zh-CN" sz="5400" dirty="0">
+                <a:latin typeface="Times New Roman" panose="02020603050405020304" pitchFamily="18" charset="0"/>
+                <a:cs typeface="Times New Roman" panose="02020603050405020304" pitchFamily="18" charset="0"/>
+              </a:rPr>
+              <a:t>Repeatable</a:t>
+            </a:r>
+            <a:endParaRPr lang="en-US" sz="5400" b="1" dirty="0">
+              <a:latin typeface="Times New Roman" panose="02020603050405020304" pitchFamily="18" charset="0"/>
+              <a:cs typeface="Times New Roman" panose="02020603050405020304" pitchFamily="18" charset="0"/>
+            </a:endParaRPr>
+          </a:p>
+        </p:txBody>
+      </p:sp>
+      <p:sp>
+        <p:nvSpPr>
+          <p:cNvPr id="3" name="Content Placeholder 2"/>
+          <p:cNvSpPr>
+            <a:spLocks noGrp="1"/>
+          </p:cNvSpPr>
+          <p:nvPr>
+            <p:ph idx="1"/>
+          </p:nvPr>
+        </p:nvSpPr>
+        <p:spPr>
+          <a:xfrm>
+            <a:off x="1293963" y="1699404"/>
+            <a:ext cx="10394830" cy="4865297"/>
+          </a:xfrm>
+        </p:spPr>
+        <p:txBody>
+          <a:bodyPr>
+            <a:normAutofit lnSpcReduction="10000"/>
+          </a:bodyPr>
+          <a:lstStyle/>
+          <a:p>
+            <a:r>
+              <a:rPr lang="zh-CN" altLang="en-US" sz="4000" dirty="0">
+                <a:latin typeface="Times New Roman" panose="02020603050405020304" pitchFamily="18" charset="0"/>
+                <a:cs typeface="Times New Roman" panose="02020603050405020304" pitchFamily="18" charset="0"/>
+              </a:rPr>
+              <a:t>每</a:t>
+            </a:r>
+            <a:r>
+              <a:rPr lang="zh-CN" altLang="en-US" sz="4000" dirty="0" smtClean="0">
+                <a:latin typeface="Times New Roman" panose="02020603050405020304" pitchFamily="18" charset="0"/>
+                <a:cs typeface="Times New Roman" panose="02020603050405020304" pitchFamily="18" charset="0"/>
+              </a:rPr>
+              <a:t>个单元测试应该独立于所有其他的测试，而且还必须独立于周围的环境。这就意味着测试不能依赖于不受你直接控制的任何外部因素。</a:t>
+            </a:r>
+            <a:endParaRPr lang="en-US" altLang="zh-CN" sz="4000" dirty="0" smtClean="0">
+              <a:latin typeface="Times New Roman" panose="02020603050405020304" pitchFamily="18" charset="0"/>
+              <a:cs typeface="Times New Roman" panose="02020603050405020304" pitchFamily="18" charset="0"/>
+            </a:endParaRPr>
+          </a:p>
+          <a:p>
+            <a:r>
+              <a:rPr lang="zh-CN" altLang="en-US" sz="4000" dirty="0">
+                <a:latin typeface="Times New Roman" panose="02020603050405020304" pitchFamily="18" charset="0"/>
+                <a:cs typeface="Times New Roman" panose="02020603050405020304" pitchFamily="18" charset="0"/>
+              </a:rPr>
+              <a:t>必</a:t>
+            </a:r>
+            <a:r>
+              <a:rPr lang="zh-CN" altLang="en-US" sz="4000" dirty="0" smtClean="0">
+                <a:latin typeface="Times New Roman" panose="02020603050405020304" pitchFamily="18" charset="0"/>
+                <a:cs typeface="Times New Roman" panose="02020603050405020304" pitchFamily="18" charset="0"/>
+              </a:rPr>
+              <a:t>要的时候，应该使用</a:t>
+            </a:r>
+            <a:r>
+              <a:rPr lang="en-US" altLang="zh-CN" sz="4000" dirty="0" smtClean="0">
+                <a:latin typeface="Times New Roman" panose="02020603050405020304" pitchFamily="18" charset="0"/>
+                <a:cs typeface="Times New Roman" panose="02020603050405020304" pitchFamily="18" charset="0"/>
+              </a:rPr>
+              <a:t>mock</a:t>
+            </a:r>
+            <a:r>
+              <a:rPr lang="zh-CN" altLang="en-US" sz="4000" dirty="0" smtClean="0">
+                <a:latin typeface="Times New Roman" panose="02020603050405020304" pitchFamily="18" charset="0"/>
+                <a:cs typeface="Times New Roman" panose="02020603050405020304" pitchFamily="18" charset="0"/>
+              </a:rPr>
+              <a:t>来隔离测试的外界因素。</a:t>
+            </a:r>
+            <a:endParaRPr lang="en-US" altLang="zh-CN" sz="4000" dirty="0" smtClean="0">
+              <a:latin typeface="Times New Roman" panose="02020603050405020304" pitchFamily="18" charset="0"/>
+              <a:cs typeface="Times New Roman" panose="02020603050405020304" pitchFamily="18" charset="0"/>
+            </a:endParaRPr>
+          </a:p>
+          <a:p>
+            <a:r>
+              <a:rPr lang="zh-CN" altLang="en-US" sz="4000" dirty="0" smtClean="0">
+                <a:latin typeface="Times New Roman" panose="02020603050405020304" pitchFamily="18" charset="0"/>
+                <a:cs typeface="Times New Roman" panose="02020603050405020304" pitchFamily="18" charset="0"/>
+              </a:rPr>
+              <a:t>每个测试应当每次产生相同的结果。不论他以什么顺序执行。</a:t>
+            </a:r>
+            <a:endParaRPr lang="en-US" sz="4000" dirty="0">
+              <a:latin typeface="Times New Roman" panose="02020603050405020304" pitchFamily="18" charset="0"/>
+              <a:cs typeface="Times New Roman" panose="02020603050405020304" pitchFamily="18" charset="0"/>
+            </a:endParaRPr>
+          </a:p>
+        </p:txBody>
+      </p:sp>
+    </p:spTree>
+    <p:extLst>
+      <p:ext uri="{BB962C8B-B14F-4D97-AF65-F5344CB8AC3E}">
+        <p14:creationId xmlns:p14="http://schemas.microsoft.com/office/powerpoint/2010/main" val="707378065"/>
+      </p:ext>
+    </p:extLst>
+  </p:cSld>
+  <p:clrMapOvr>
+    <a:masterClrMapping/>
+  </p:clrMapOvr>
+  <p:timing>
+    <p:tnLst>
+      <p:par>
+        <p:cTn id="1" dur="indefinite" restart="never" nodeType="tmRoot"/>
+      </p:par>
+    </p:tnLst>
+  </p:timing>
+</p:sld>
+</file>
+
+<file path=ppt/slides/slide19.xml><?xml version="1.0" encoding="utf-8"?>
+<p:sld xmlns:a="http://schemas.openxmlformats.org/drawingml/2006/main" xmlns:r="http://schemas.openxmlformats.org/officeDocument/2006/relationships" xmlns:p="http://schemas.openxmlformats.org/presentationml/2006/main">
+  <p:cSld>
+    <p:spTree>
+      <p:nvGrpSpPr>
+        <p:cNvPr id="1" name=""/>
+        <p:cNvGrpSpPr/>
+        <p:nvPr/>
+      </p:nvGrpSpPr>
+      <p:grpSpPr>
+        <a:xfrm>
+          <a:off x="0" y="0"/>
+          <a:ext cx="0" cy="0"/>
+          <a:chOff x="0" y="0"/>
+          <a:chExt cx="0" cy="0"/>
+        </a:xfrm>
+      </p:grpSpPr>
+      <p:sp>
+        <p:nvSpPr>
+          <p:cNvPr id="2" name="Title 1"/>
+          <p:cNvSpPr>
+            <a:spLocks noGrp="1"/>
+          </p:cNvSpPr>
+          <p:nvPr>
+            <p:ph type="title"/>
+          </p:nvPr>
+        </p:nvSpPr>
+        <p:spPr>
+          <a:xfrm>
+            <a:off x="1892808" y="475488"/>
+            <a:ext cx="9692641" cy="1024128"/>
+          </a:xfrm>
+        </p:spPr>
+        <p:txBody>
+          <a:bodyPr>
+            <a:normAutofit fontScale="90000"/>
+          </a:bodyPr>
+          <a:lstStyle/>
+          <a:p>
+            <a:r>
+              <a:rPr lang="zh-CN" altLang="en-US" sz="5400" dirty="0">
+                <a:latin typeface="Times New Roman" panose="02020603050405020304" pitchFamily="18" charset="0"/>
+                <a:cs typeface="Times New Roman" panose="02020603050405020304" pitchFamily="18" charset="0"/>
+              </a:rPr>
+              <a:t>好的测试所具有的品</a:t>
+            </a:r>
+            <a:r>
+              <a:rPr lang="zh-CN" altLang="en-US" sz="5400" dirty="0" smtClean="0">
+                <a:latin typeface="Times New Roman" panose="02020603050405020304" pitchFamily="18" charset="0"/>
+                <a:cs typeface="Times New Roman" panose="02020603050405020304" pitchFamily="18" charset="0"/>
+              </a:rPr>
+              <a:t>质 </a:t>
+            </a:r>
+            <a:r>
+              <a:rPr lang="en-US" altLang="zh-CN" sz="5400" dirty="0">
+                <a:latin typeface="Times New Roman" panose="02020603050405020304" pitchFamily="18" charset="0"/>
+                <a:cs typeface="Times New Roman" panose="02020603050405020304" pitchFamily="18" charset="0"/>
+              </a:rPr>
+              <a:t>Independent</a:t>
+            </a:r>
+            <a:endParaRPr lang="en-US" sz="5400" b="1" dirty="0">
+              <a:latin typeface="Times New Roman" panose="02020603050405020304" pitchFamily="18" charset="0"/>
+              <a:cs typeface="Times New Roman" panose="02020603050405020304" pitchFamily="18" charset="0"/>
+            </a:endParaRPr>
+          </a:p>
+        </p:txBody>
+      </p:sp>
+      <p:sp>
+        <p:nvSpPr>
+          <p:cNvPr id="3" name="Content Placeholder 2"/>
+          <p:cNvSpPr>
+            <a:spLocks noGrp="1"/>
+          </p:cNvSpPr>
+          <p:nvPr>
+            <p:ph idx="1"/>
+          </p:nvPr>
+        </p:nvSpPr>
+        <p:spPr>
+          <a:xfrm>
+            <a:off x="1293963" y="1699404"/>
+            <a:ext cx="10394830" cy="4865297"/>
+          </a:xfrm>
+        </p:spPr>
+        <p:txBody>
+          <a:bodyPr>
+            <a:normAutofit/>
+          </a:bodyPr>
+          <a:lstStyle/>
+          <a:p>
+            <a:r>
+              <a:rPr lang="zh-CN" altLang="en-US" sz="4000" dirty="0" smtClean="0">
+                <a:latin typeface="Times New Roman" panose="02020603050405020304" pitchFamily="18" charset="0"/>
+                <a:cs typeface="Times New Roman" panose="02020603050405020304" pitchFamily="18" charset="0"/>
+              </a:rPr>
+              <a:t>测试应该是简洁而且精炼的</a:t>
+            </a:r>
+            <a:r>
+              <a:rPr lang="zh-CN" altLang="en-US" sz="4000" dirty="0" smtClean="0">
+                <a:latin typeface="Times New Roman" panose="02020603050405020304" pitchFamily="18" charset="0"/>
+                <a:cs typeface="Times New Roman" panose="02020603050405020304" pitchFamily="18" charset="0"/>
+              </a:rPr>
+              <a:t>。每个测试应该有很强的针对性，并独立于环境和其他测试。</a:t>
+            </a:r>
+            <a:endParaRPr lang="en-US" altLang="zh-CN" sz="4000" dirty="0" smtClean="0">
+              <a:latin typeface="Times New Roman" panose="02020603050405020304" pitchFamily="18" charset="0"/>
+              <a:cs typeface="Times New Roman" panose="02020603050405020304" pitchFamily="18" charset="0"/>
+            </a:endParaRPr>
+          </a:p>
+          <a:p>
+            <a:r>
+              <a:rPr lang="zh-CN" altLang="en-US" sz="4000" dirty="0">
+                <a:latin typeface="Times New Roman" panose="02020603050405020304" pitchFamily="18" charset="0"/>
+                <a:cs typeface="Times New Roman" panose="02020603050405020304" pitchFamily="18" charset="0"/>
+              </a:rPr>
+              <a:t>编</a:t>
+            </a:r>
+            <a:r>
+              <a:rPr lang="zh-CN" altLang="en-US" sz="4000" dirty="0" smtClean="0">
+                <a:latin typeface="Times New Roman" panose="02020603050405020304" pitchFamily="18" charset="0"/>
+                <a:cs typeface="Times New Roman" panose="02020603050405020304" pitchFamily="18" charset="0"/>
+              </a:rPr>
+              <a:t>写测试时，确保你一次只测试了一样东西。</a:t>
+            </a:r>
+            <a:endParaRPr lang="en-US" altLang="zh-CN" sz="4000" dirty="0" smtClean="0">
+              <a:latin typeface="Times New Roman" panose="02020603050405020304" pitchFamily="18" charset="0"/>
+              <a:cs typeface="Times New Roman" panose="02020603050405020304" pitchFamily="18" charset="0"/>
+            </a:endParaRPr>
+          </a:p>
+          <a:p>
+            <a:r>
+              <a:rPr lang="zh-CN" altLang="en-US" sz="4000" dirty="0" smtClean="0">
+                <a:latin typeface="Times New Roman" panose="02020603050405020304" pitchFamily="18" charset="0"/>
+                <a:cs typeface="Times New Roman" panose="02020603050405020304" pitchFamily="18" charset="0"/>
+              </a:rPr>
+              <a:t>这并不意味着在一个测试中你只能使用一个</a:t>
+            </a:r>
+            <a:r>
+              <a:rPr lang="en-US" altLang="zh-CN" sz="4000" dirty="0" smtClean="0">
+                <a:latin typeface="Times New Roman" panose="02020603050405020304" pitchFamily="18" charset="0"/>
+                <a:cs typeface="Times New Roman" panose="02020603050405020304" pitchFamily="18" charset="0"/>
+              </a:rPr>
+              <a:t>Assert</a:t>
+            </a:r>
+            <a:r>
+              <a:rPr lang="zh-CN" altLang="en-US" sz="4000" dirty="0" smtClean="0">
+                <a:latin typeface="Times New Roman" panose="02020603050405020304" pitchFamily="18" charset="0"/>
+                <a:cs typeface="Times New Roman" panose="02020603050405020304" pitchFamily="18" charset="0"/>
+              </a:rPr>
+              <a:t>，而是说明了：一个测试函数应该专注于产品代码中的一个函数，或者组合起来并共同提供某个特性的一组函数。</a:t>
+            </a:r>
+            <a:endParaRPr lang="en-US" sz="4000" dirty="0">
+              <a:latin typeface="Times New Roman" panose="02020603050405020304" pitchFamily="18" charset="0"/>
+              <a:cs typeface="Times New Roman" panose="02020603050405020304" pitchFamily="18" charset="0"/>
+            </a:endParaRPr>
+          </a:p>
+        </p:txBody>
+      </p:sp>
+    </p:spTree>
+    <p:extLst>
+      <p:ext uri="{BB962C8B-B14F-4D97-AF65-F5344CB8AC3E}">
+        <p14:creationId xmlns:p14="http://schemas.microsoft.com/office/powerpoint/2010/main" val="230077718"/>
       </p:ext>
     </p:extLst>
   </p:cSld>
@@ -8941,6 +9586,289 @@
     <p:extLst>
       <p:ext uri="{BB962C8B-B14F-4D97-AF65-F5344CB8AC3E}">
         <p14:creationId xmlns:p14="http://schemas.microsoft.com/office/powerpoint/2010/main" val="4179405600"/>
+      </p:ext>
+    </p:extLst>
+  </p:cSld>
+  <p:clrMapOvr>
+    <a:masterClrMapping/>
+  </p:clrMapOvr>
+  <p:timing>
+    <p:tnLst>
+      <p:par>
+        <p:cTn id="1" dur="indefinite" restart="never" nodeType="tmRoot"/>
+      </p:par>
+    </p:tnLst>
+  </p:timing>
+</p:sld>
+</file>
+
+<file path=ppt/slides/slide20.xml><?xml version="1.0" encoding="utf-8"?>
+<p:sld xmlns:a="http://schemas.openxmlformats.org/drawingml/2006/main" xmlns:r="http://schemas.openxmlformats.org/officeDocument/2006/relationships" xmlns:p="http://schemas.openxmlformats.org/presentationml/2006/main">
+  <p:cSld>
+    <p:spTree>
+      <p:nvGrpSpPr>
+        <p:cNvPr id="1" name=""/>
+        <p:cNvGrpSpPr/>
+        <p:nvPr/>
+      </p:nvGrpSpPr>
+      <p:grpSpPr>
+        <a:xfrm>
+          <a:off x="0" y="0"/>
+          <a:ext cx="0" cy="0"/>
+          <a:chOff x="0" y="0"/>
+          <a:chExt cx="0" cy="0"/>
+        </a:xfrm>
+      </p:grpSpPr>
+      <p:sp>
+        <p:nvSpPr>
+          <p:cNvPr id="2" name="Title 1"/>
+          <p:cNvSpPr>
+            <a:spLocks noGrp="1"/>
+          </p:cNvSpPr>
+          <p:nvPr>
+            <p:ph type="title"/>
+          </p:nvPr>
+        </p:nvSpPr>
+        <p:spPr>
+          <a:xfrm>
+            <a:off x="1892808" y="475488"/>
+            <a:ext cx="9692641" cy="1024128"/>
+          </a:xfrm>
+        </p:spPr>
+        <p:txBody>
+          <a:bodyPr>
+            <a:normAutofit fontScale="90000"/>
+          </a:bodyPr>
+          <a:lstStyle/>
+          <a:p>
+            <a:r>
+              <a:rPr lang="zh-CN" altLang="en-US" sz="5400" dirty="0">
+                <a:latin typeface="Times New Roman" panose="02020603050405020304" pitchFamily="18" charset="0"/>
+                <a:cs typeface="Times New Roman" panose="02020603050405020304" pitchFamily="18" charset="0"/>
+              </a:rPr>
+              <a:t>好的测试所具有的品</a:t>
+            </a:r>
+            <a:r>
+              <a:rPr lang="zh-CN" altLang="en-US" sz="5400" dirty="0" smtClean="0">
+                <a:latin typeface="Times New Roman" panose="02020603050405020304" pitchFamily="18" charset="0"/>
+                <a:cs typeface="Times New Roman" panose="02020603050405020304" pitchFamily="18" charset="0"/>
+              </a:rPr>
+              <a:t>质 </a:t>
+            </a:r>
+            <a:r>
+              <a:rPr lang="en-US" altLang="zh-CN" sz="5400" dirty="0">
+                <a:latin typeface="Times New Roman" panose="02020603050405020304" pitchFamily="18" charset="0"/>
+                <a:cs typeface="Times New Roman" panose="02020603050405020304" pitchFamily="18" charset="0"/>
+              </a:rPr>
+              <a:t>Professional</a:t>
+            </a:r>
+            <a:endParaRPr lang="en-US" sz="5400" b="1" dirty="0">
+              <a:latin typeface="Times New Roman" panose="02020603050405020304" pitchFamily="18" charset="0"/>
+              <a:cs typeface="Times New Roman" panose="02020603050405020304" pitchFamily="18" charset="0"/>
+            </a:endParaRPr>
+          </a:p>
+        </p:txBody>
+      </p:sp>
+      <p:sp>
+        <p:nvSpPr>
+          <p:cNvPr id="3" name="Content Placeholder 2"/>
+          <p:cNvSpPr>
+            <a:spLocks noGrp="1"/>
+          </p:cNvSpPr>
+          <p:nvPr>
+            <p:ph idx="1"/>
+          </p:nvPr>
+        </p:nvSpPr>
+        <p:spPr>
+          <a:xfrm>
+            <a:off x="1293963" y="1699404"/>
+            <a:ext cx="10394830" cy="4865297"/>
+          </a:xfrm>
+        </p:spPr>
+        <p:txBody>
+          <a:bodyPr>
+            <a:normAutofit/>
+          </a:bodyPr>
+          <a:lstStyle/>
+          <a:p>
+            <a:r>
+              <a:rPr lang="zh-CN" altLang="en-US" sz="4000" dirty="0">
+                <a:latin typeface="Times New Roman" panose="02020603050405020304" pitchFamily="18" charset="0"/>
+                <a:cs typeface="Times New Roman" panose="02020603050405020304" pitchFamily="18" charset="0"/>
+              </a:rPr>
+              <a:t>必</a:t>
+            </a:r>
+            <a:r>
+              <a:rPr lang="zh-CN" altLang="en-US" sz="4000" dirty="0" smtClean="0">
+                <a:latin typeface="Times New Roman" panose="02020603050405020304" pitchFamily="18" charset="0"/>
+                <a:cs typeface="Times New Roman" panose="02020603050405020304" pitchFamily="18" charset="0"/>
+              </a:rPr>
+              <a:t>须使用和产品代码相同的专业水准来编写和维护测试代码。</a:t>
+            </a:r>
+            <a:endParaRPr lang="en-US" altLang="zh-CN" sz="4000" dirty="0" smtClean="0">
+              <a:latin typeface="Times New Roman" panose="02020603050405020304" pitchFamily="18" charset="0"/>
+              <a:cs typeface="Times New Roman" panose="02020603050405020304" pitchFamily="18" charset="0"/>
+            </a:endParaRPr>
+          </a:p>
+          <a:p>
+            <a:r>
+              <a:rPr lang="zh-CN" altLang="en-US" sz="4000" dirty="0">
+                <a:latin typeface="Times New Roman" panose="02020603050405020304" pitchFamily="18" charset="0"/>
+                <a:cs typeface="Times New Roman" panose="02020603050405020304" pitchFamily="18" charset="0"/>
+              </a:rPr>
+              <a:t>针</a:t>
+            </a:r>
+            <a:r>
+              <a:rPr lang="zh-CN" altLang="en-US" sz="4000" dirty="0" smtClean="0">
+                <a:latin typeface="Times New Roman" panose="02020603050405020304" pitchFamily="18" charset="0"/>
+                <a:cs typeface="Times New Roman" panose="02020603050405020304" pitchFamily="18" charset="0"/>
+              </a:rPr>
+              <a:t>对好设计的所有普遍规则</a:t>
+            </a:r>
+            <a:r>
+              <a:rPr lang="en-US" altLang="zh-CN" sz="4000" dirty="0" smtClean="0">
+                <a:latin typeface="Times New Roman" panose="02020603050405020304" pitchFamily="18" charset="0"/>
+                <a:cs typeface="Times New Roman" panose="02020603050405020304" pitchFamily="18" charset="0"/>
+              </a:rPr>
+              <a:t>—</a:t>
+            </a:r>
+            <a:r>
+              <a:rPr lang="zh-CN" altLang="en-US" sz="4000" dirty="0" smtClean="0">
+                <a:latin typeface="Times New Roman" panose="02020603050405020304" pitchFamily="18" charset="0"/>
+                <a:cs typeface="Times New Roman" panose="02020603050405020304" pitchFamily="18" charset="0"/>
+              </a:rPr>
+              <a:t>封装，</a:t>
+            </a:r>
+            <a:r>
+              <a:rPr lang="en-US" altLang="zh-CN" sz="4000" dirty="0" smtClean="0">
+                <a:latin typeface="Times New Roman" panose="02020603050405020304" pitchFamily="18" charset="0"/>
+                <a:cs typeface="Times New Roman" panose="02020603050405020304" pitchFamily="18" charset="0"/>
+              </a:rPr>
+              <a:t>DRY</a:t>
+            </a:r>
+            <a:r>
+              <a:rPr lang="zh-CN" altLang="en-US" sz="4000" dirty="0" smtClean="0">
+                <a:latin typeface="Times New Roman" panose="02020603050405020304" pitchFamily="18" charset="0"/>
+                <a:cs typeface="Times New Roman" panose="02020603050405020304" pitchFamily="18" charset="0"/>
+              </a:rPr>
+              <a:t>，降低耦合等都必须遵循。</a:t>
+            </a:r>
+            <a:endParaRPr lang="en-US" altLang="zh-CN" sz="4000" dirty="0" smtClean="0">
+              <a:latin typeface="Times New Roman" panose="02020603050405020304" pitchFamily="18" charset="0"/>
+              <a:cs typeface="Times New Roman" panose="02020603050405020304" pitchFamily="18" charset="0"/>
+            </a:endParaRPr>
+          </a:p>
+          <a:p>
+            <a:r>
+              <a:rPr lang="zh-CN" altLang="en-US" sz="4000" dirty="0">
+                <a:latin typeface="Times New Roman" panose="02020603050405020304" pitchFamily="18" charset="0"/>
+                <a:cs typeface="Times New Roman" panose="02020603050405020304" pitchFamily="18" charset="0"/>
+              </a:rPr>
+              <a:t>不</a:t>
+            </a:r>
+            <a:r>
+              <a:rPr lang="zh-CN" altLang="en-US" sz="4000" dirty="0" smtClean="0">
+                <a:latin typeface="Times New Roman" panose="02020603050405020304" pitchFamily="18" charset="0"/>
+                <a:cs typeface="Times New Roman" panose="02020603050405020304" pitchFamily="18" charset="0"/>
+              </a:rPr>
+              <a:t>要为了测试而测试。对于不大可能出现</a:t>
+            </a:r>
+            <a:r>
+              <a:rPr lang="en-US" altLang="zh-CN" sz="4000" dirty="0" smtClean="0">
+                <a:latin typeface="Times New Roman" panose="02020603050405020304" pitchFamily="18" charset="0"/>
+                <a:cs typeface="Times New Roman" panose="02020603050405020304" pitchFamily="18" charset="0"/>
+              </a:rPr>
+              <a:t>bug</a:t>
+            </a:r>
+            <a:r>
+              <a:rPr lang="zh-CN" altLang="en-US" sz="4000" dirty="0" smtClean="0">
+                <a:latin typeface="Times New Roman" panose="02020603050405020304" pitchFamily="18" charset="0"/>
+                <a:cs typeface="Times New Roman" panose="02020603050405020304" pitchFamily="18" charset="0"/>
+              </a:rPr>
+              <a:t>的情况，就不要浪费时间去测试了。</a:t>
+            </a:r>
+            <a:endParaRPr lang="en-US" sz="4000" dirty="0">
+              <a:latin typeface="Times New Roman" panose="02020603050405020304" pitchFamily="18" charset="0"/>
+              <a:cs typeface="Times New Roman" panose="02020603050405020304" pitchFamily="18" charset="0"/>
+            </a:endParaRPr>
+          </a:p>
+        </p:txBody>
+      </p:sp>
+    </p:spTree>
+    <p:extLst>
+      <p:ext uri="{BB962C8B-B14F-4D97-AF65-F5344CB8AC3E}">
+        <p14:creationId xmlns:p14="http://schemas.microsoft.com/office/powerpoint/2010/main" val="2519187009"/>
+      </p:ext>
+    </p:extLst>
+  </p:cSld>
+  <p:clrMapOvr>
+    <a:masterClrMapping/>
+  </p:clrMapOvr>
+  <p:timing>
+    <p:tnLst>
+      <p:par>
+        <p:cTn id="1" dur="indefinite" restart="never" nodeType="tmRoot"/>
+      </p:par>
+    </p:tnLst>
+  </p:timing>
+</p:sld>
+</file>
+
+<file path=ppt/slides/slide21.xml><?xml version="1.0" encoding="utf-8"?>
+<p:sld xmlns:a="http://schemas.openxmlformats.org/drawingml/2006/main" xmlns:r="http://schemas.openxmlformats.org/officeDocument/2006/relationships" xmlns:p="http://schemas.openxmlformats.org/presentationml/2006/main">
+  <p:cSld>
+    <p:spTree>
+      <p:nvGrpSpPr>
+        <p:cNvPr id="1" name=""/>
+        <p:cNvGrpSpPr/>
+        <p:nvPr/>
+      </p:nvGrpSpPr>
+      <p:grpSpPr>
+        <a:xfrm>
+          <a:off x="0" y="0"/>
+          <a:ext cx="0" cy="0"/>
+          <a:chOff x="0" y="0"/>
+          <a:chExt cx="0" cy="0"/>
+        </a:xfrm>
+      </p:grpSpPr>
+      <p:sp>
+        <p:nvSpPr>
+          <p:cNvPr id="6" name="Title 5"/>
+          <p:cNvSpPr>
+            <a:spLocks noGrp="1"/>
+          </p:cNvSpPr>
+          <p:nvPr>
+            <p:ph type="title"/>
+          </p:nvPr>
+        </p:nvSpPr>
+        <p:spPr>
+          <a:xfrm>
+            <a:off x="4121263" y="2933469"/>
+            <a:ext cx="4582789" cy="965671"/>
+          </a:xfrm>
+        </p:spPr>
+        <p:txBody>
+          <a:bodyPr>
+            <a:normAutofit fontScale="90000"/>
+          </a:bodyPr>
+          <a:lstStyle/>
+          <a:p>
+            <a:r>
+              <a:rPr lang="en-US" altLang="zh-CN" sz="6600" dirty="0" smtClean="0"/>
+              <a:t>Thank you</a:t>
+            </a:r>
+            <a:r>
+              <a:rPr lang="zh-CN" altLang="en-US" sz="6600" dirty="0" smtClean="0"/>
+              <a:t>！</a:t>
+            </a:r>
+            <a:endParaRPr lang="en-US" sz="6600" dirty="0"/>
+          </a:p>
+        </p:txBody>
+      </p:sp>
+    </p:spTree>
+    <p:extLst>
+      <p:ext uri="{BB962C8B-B14F-4D97-AF65-F5344CB8AC3E}">
+        <p14:creationId xmlns:p14="http://schemas.microsoft.com/office/powerpoint/2010/main" val="293026940"/>
       </p:ext>
     </p:extLst>
   </p:cSld>
